--- a/assets/img/pics.pptx
+++ b/assets/img/pics.pptx
@@ -6,6 +6,7 @@
   </p:sldMasterIdLst>
   <p:sldIdLst>
     <p:sldId id="259" r:id="rId2"/>
+    <p:sldId id="260" r:id="rId3"/>
   </p:sldIdLst>
   <p:sldSz cx="12192000" cy="6858000"/>
   <p:notesSz cx="6858000" cy="9144000"/>
@@ -165,10 +166,9 @@
           </a:lstStyle>
           <a:p>
             <a:r>
-              <a:rPr lang="en-US" smtClean="0"/>
+              <a:rPr lang="en-US"/>
               <a:t>Click to edit Master title style</a:t>
             </a:r>
-            <a:endParaRPr lang="en-US"/>
           </a:p>
         </p:txBody>
       </p:sp>
@@ -230,10 +230,9 @@
           </a:lstStyle>
           <a:p>
             <a:r>
-              <a:rPr lang="en-US" smtClean="0"/>
+              <a:rPr lang="en-US"/>
               <a:t>Click to edit Master subtitle style</a:t>
             </a:r>
-            <a:endParaRPr lang="en-US"/>
           </a:p>
         </p:txBody>
       </p:sp>
@@ -254,7 +253,7 @@
           <a:p>
             <a:fld id="{0D756A92-6B81-42FA-9FD3-B13034B3C042}" type="datetimeFigureOut">
               <a:rPr lang="en-US" smtClean="0"/>
-              <a:t>3/3/2020</a:t>
+              <a:t>7/25/2024</a:t>
             </a:fld>
             <a:endParaRPr lang="en-US"/>
           </a:p>
@@ -348,10 +347,9 @@
           <a:lstStyle/>
           <a:p>
             <a:r>
-              <a:rPr lang="en-US" smtClean="0"/>
+              <a:rPr lang="en-US"/>
               <a:t>Click to edit Master title style</a:t>
             </a:r>
-            <a:endParaRPr lang="en-US"/>
           </a:p>
         </p:txBody>
       </p:sp>
@@ -372,38 +370,37 @@
           <a:p>
             <a:pPr lvl="0"/>
             <a:r>
-              <a:rPr lang="en-US" smtClean="0"/>
+              <a:rPr lang="en-US"/>
               <a:t>Edit Master text styles</a:t>
             </a:r>
           </a:p>
           <a:p>
             <a:pPr lvl="1"/>
             <a:r>
-              <a:rPr lang="en-US" smtClean="0"/>
+              <a:rPr lang="en-US"/>
               <a:t>Second level</a:t>
             </a:r>
           </a:p>
           <a:p>
             <a:pPr lvl="2"/>
             <a:r>
-              <a:rPr lang="en-US" smtClean="0"/>
+              <a:rPr lang="en-US"/>
               <a:t>Third level</a:t>
             </a:r>
           </a:p>
           <a:p>
             <a:pPr lvl="3"/>
             <a:r>
-              <a:rPr lang="en-US" smtClean="0"/>
+              <a:rPr lang="en-US"/>
               <a:t>Fourth level</a:t>
             </a:r>
           </a:p>
           <a:p>
             <a:pPr lvl="4"/>
             <a:r>
-              <a:rPr lang="en-US" smtClean="0"/>
+              <a:rPr lang="en-US"/>
               <a:t>Fifth level</a:t>
             </a:r>
-            <a:endParaRPr lang="en-US"/>
           </a:p>
         </p:txBody>
       </p:sp>
@@ -424,7 +421,7 @@
           <a:p>
             <a:fld id="{0D756A92-6B81-42FA-9FD3-B13034B3C042}" type="datetimeFigureOut">
               <a:rPr lang="en-US" smtClean="0"/>
-              <a:t>3/3/2020</a:t>
+              <a:t>7/25/2024</a:t>
             </a:fld>
             <a:endParaRPr lang="en-US"/>
           </a:p>
@@ -523,10 +520,9 @@
           <a:lstStyle/>
           <a:p>
             <a:r>
-              <a:rPr lang="en-US" smtClean="0"/>
+              <a:rPr lang="en-US"/>
               <a:t>Click to edit Master title style</a:t>
             </a:r>
-            <a:endParaRPr lang="en-US"/>
           </a:p>
         </p:txBody>
       </p:sp>
@@ -552,38 +548,37 @@
           <a:p>
             <a:pPr lvl="0"/>
             <a:r>
-              <a:rPr lang="en-US" smtClean="0"/>
+              <a:rPr lang="en-US"/>
               <a:t>Edit Master text styles</a:t>
             </a:r>
           </a:p>
           <a:p>
             <a:pPr lvl="1"/>
             <a:r>
-              <a:rPr lang="en-US" smtClean="0"/>
+              <a:rPr lang="en-US"/>
               <a:t>Second level</a:t>
             </a:r>
           </a:p>
           <a:p>
             <a:pPr lvl="2"/>
             <a:r>
-              <a:rPr lang="en-US" smtClean="0"/>
+              <a:rPr lang="en-US"/>
               <a:t>Third level</a:t>
             </a:r>
           </a:p>
           <a:p>
             <a:pPr lvl="3"/>
             <a:r>
-              <a:rPr lang="en-US" smtClean="0"/>
+              <a:rPr lang="en-US"/>
               <a:t>Fourth level</a:t>
             </a:r>
           </a:p>
           <a:p>
             <a:pPr lvl="4"/>
             <a:r>
-              <a:rPr lang="en-US" smtClean="0"/>
+              <a:rPr lang="en-US"/>
               <a:t>Fifth level</a:t>
             </a:r>
-            <a:endParaRPr lang="en-US"/>
           </a:p>
         </p:txBody>
       </p:sp>
@@ -604,7 +599,7 @@
           <a:p>
             <a:fld id="{0D756A92-6B81-42FA-9FD3-B13034B3C042}" type="datetimeFigureOut">
               <a:rPr lang="en-US" smtClean="0"/>
-              <a:t>3/3/2020</a:t>
+              <a:t>7/25/2024</a:t>
             </a:fld>
             <a:endParaRPr lang="en-US"/>
           </a:p>
@@ -698,10 +693,9 @@
           <a:lstStyle/>
           <a:p>
             <a:r>
-              <a:rPr lang="en-US" smtClean="0"/>
+              <a:rPr lang="en-US"/>
               <a:t>Click to edit Master title style</a:t>
             </a:r>
-            <a:endParaRPr lang="en-US"/>
           </a:p>
         </p:txBody>
       </p:sp>
@@ -722,38 +716,37 @@
           <a:p>
             <a:pPr lvl="0"/>
             <a:r>
-              <a:rPr lang="en-US" smtClean="0"/>
+              <a:rPr lang="en-US"/>
               <a:t>Edit Master text styles</a:t>
             </a:r>
           </a:p>
           <a:p>
             <a:pPr lvl="1"/>
             <a:r>
-              <a:rPr lang="en-US" smtClean="0"/>
+              <a:rPr lang="en-US"/>
               <a:t>Second level</a:t>
             </a:r>
           </a:p>
           <a:p>
             <a:pPr lvl="2"/>
             <a:r>
-              <a:rPr lang="en-US" smtClean="0"/>
+              <a:rPr lang="en-US"/>
               <a:t>Third level</a:t>
             </a:r>
           </a:p>
           <a:p>
             <a:pPr lvl="3"/>
             <a:r>
-              <a:rPr lang="en-US" smtClean="0"/>
+              <a:rPr lang="en-US"/>
               <a:t>Fourth level</a:t>
             </a:r>
           </a:p>
           <a:p>
             <a:pPr lvl="4"/>
             <a:r>
-              <a:rPr lang="en-US" smtClean="0"/>
+              <a:rPr lang="en-US"/>
               <a:t>Fifth level</a:t>
             </a:r>
-            <a:endParaRPr lang="en-US"/>
           </a:p>
         </p:txBody>
       </p:sp>
@@ -774,7 +767,7 @@
           <a:p>
             <a:fld id="{0D756A92-6B81-42FA-9FD3-B13034B3C042}" type="datetimeFigureOut">
               <a:rPr lang="en-US" smtClean="0"/>
-              <a:t>3/3/2020</a:t>
+              <a:t>7/25/2024</a:t>
             </a:fld>
             <a:endParaRPr lang="en-US"/>
           </a:p>
@@ -877,10 +870,9 @@
           </a:lstStyle>
           <a:p>
             <a:r>
-              <a:rPr lang="en-US" smtClean="0"/>
+              <a:rPr lang="en-US"/>
               <a:t>Click to edit Master title style</a:t>
             </a:r>
-            <a:endParaRPr lang="en-US"/>
           </a:p>
         </p:txBody>
       </p:sp>
@@ -997,7 +989,7 @@
           <a:p>
             <a:pPr lvl="0"/>
             <a:r>
-              <a:rPr lang="en-US" smtClean="0"/>
+              <a:rPr lang="en-US"/>
               <a:t>Edit Master text styles</a:t>
             </a:r>
           </a:p>
@@ -1020,7 +1012,7 @@
           <a:p>
             <a:fld id="{0D756A92-6B81-42FA-9FD3-B13034B3C042}" type="datetimeFigureOut">
               <a:rPr lang="en-US" smtClean="0"/>
-              <a:t>3/3/2020</a:t>
+              <a:t>7/25/2024</a:t>
             </a:fld>
             <a:endParaRPr lang="en-US"/>
           </a:p>
@@ -1114,10 +1106,9 @@
           <a:lstStyle/>
           <a:p>
             <a:r>
-              <a:rPr lang="en-US" smtClean="0"/>
+              <a:rPr lang="en-US"/>
               <a:t>Click to edit Master title style</a:t>
             </a:r>
-            <a:endParaRPr lang="en-US"/>
           </a:p>
         </p:txBody>
       </p:sp>
@@ -1143,38 +1134,37 @@
           <a:p>
             <a:pPr lvl="0"/>
             <a:r>
-              <a:rPr lang="en-US" smtClean="0"/>
+              <a:rPr lang="en-US"/>
               <a:t>Edit Master text styles</a:t>
             </a:r>
           </a:p>
           <a:p>
             <a:pPr lvl="1"/>
             <a:r>
-              <a:rPr lang="en-US" smtClean="0"/>
+              <a:rPr lang="en-US"/>
               <a:t>Second level</a:t>
             </a:r>
           </a:p>
           <a:p>
             <a:pPr lvl="2"/>
             <a:r>
-              <a:rPr lang="en-US" smtClean="0"/>
+              <a:rPr lang="en-US"/>
               <a:t>Third level</a:t>
             </a:r>
           </a:p>
           <a:p>
             <a:pPr lvl="3"/>
             <a:r>
-              <a:rPr lang="en-US" smtClean="0"/>
+              <a:rPr lang="en-US"/>
               <a:t>Fourth level</a:t>
             </a:r>
           </a:p>
           <a:p>
             <a:pPr lvl="4"/>
             <a:r>
-              <a:rPr lang="en-US" smtClean="0"/>
+              <a:rPr lang="en-US"/>
               <a:t>Fifth level</a:t>
             </a:r>
-            <a:endParaRPr lang="en-US"/>
           </a:p>
         </p:txBody>
       </p:sp>
@@ -1200,38 +1190,37 @@
           <a:p>
             <a:pPr lvl="0"/>
             <a:r>
-              <a:rPr lang="en-US" smtClean="0"/>
+              <a:rPr lang="en-US"/>
               <a:t>Edit Master text styles</a:t>
             </a:r>
           </a:p>
           <a:p>
             <a:pPr lvl="1"/>
             <a:r>
-              <a:rPr lang="en-US" smtClean="0"/>
+              <a:rPr lang="en-US"/>
               <a:t>Second level</a:t>
             </a:r>
           </a:p>
           <a:p>
             <a:pPr lvl="2"/>
             <a:r>
-              <a:rPr lang="en-US" smtClean="0"/>
+              <a:rPr lang="en-US"/>
               <a:t>Third level</a:t>
             </a:r>
           </a:p>
           <a:p>
             <a:pPr lvl="3"/>
             <a:r>
-              <a:rPr lang="en-US" smtClean="0"/>
+              <a:rPr lang="en-US"/>
               <a:t>Fourth level</a:t>
             </a:r>
           </a:p>
           <a:p>
             <a:pPr lvl="4"/>
             <a:r>
-              <a:rPr lang="en-US" smtClean="0"/>
+              <a:rPr lang="en-US"/>
               <a:t>Fifth level</a:t>
             </a:r>
-            <a:endParaRPr lang="en-US"/>
           </a:p>
         </p:txBody>
       </p:sp>
@@ -1252,7 +1241,7 @@
           <a:p>
             <a:fld id="{0D756A92-6B81-42FA-9FD3-B13034B3C042}" type="datetimeFigureOut">
               <a:rPr lang="en-US" smtClean="0"/>
-              <a:t>3/3/2020</a:t>
+              <a:t>7/25/2024</a:t>
             </a:fld>
             <a:endParaRPr lang="en-US"/>
           </a:p>
@@ -1351,10 +1340,9 @@
           <a:lstStyle/>
           <a:p>
             <a:r>
-              <a:rPr lang="en-US" smtClean="0"/>
+              <a:rPr lang="en-US"/>
               <a:t>Click to edit Master title style</a:t>
             </a:r>
-            <a:endParaRPr lang="en-US"/>
           </a:p>
         </p:txBody>
       </p:sp>
@@ -1417,7 +1405,7 @@
           <a:p>
             <a:pPr lvl="0"/>
             <a:r>
-              <a:rPr lang="en-US" smtClean="0"/>
+              <a:rPr lang="en-US"/>
               <a:t>Edit Master text styles</a:t>
             </a:r>
           </a:p>
@@ -1445,38 +1433,37 @@
           <a:p>
             <a:pPr lvl="0"/>
             <a:r>
-              <a:rPr lang="en-US" smtClean="0"/>
+              <a:rPr lang="en-US"/>
               <a:t>Edit Master text styles</a:t>
             </a:r>
           </a:p>
           <a:p>
             <a:pPr lvl="1"/>
             <a:r>
-              <a:rPr lang="en-US" smtClean="0"/>
+              <a:rPr lang="en-US"/>
               <a:t>Second level</a:t>
             </a:r>
           </a:p>
           <a:p>
             <a:pPr lvl="2"/>
             <a:r>
-              <a:rPr lang="en-US" smtClean="0"/>
+              <a:rPr lang="en-US"/>
               <a:t>Third level</a:t>
             </a:r>
           </a:p>
           <a:p>
             <a:pPr lvl="3"/>
             <a:r>
-              <a:rPr lang="en-US" smtClean="0"/>
+              <a:rPr lang="en-US"/>
               <a:t>Fourth level</a:t>
             </a:r>
           </a:p>
           <a:p>
             <a:pPr lvl="4"/>
             <a:r>
-              <a:rPr lang="en-US" smtClean="0"/>
+              <a:rPr lang="en-US"/>
               <a:t>Fifth level</a:t>
             </a:r>
-            <a:endParaRPr lang="en-US"/>
           </a:p>
         </p:txBody>
       </p:sp>
@@ -1539,7 +1526,7 @@
           <a:p>
             <a:pPr lvl="0"/>
             <a:r>
-              <a:rPr lang="en-US" smtClean="0"/>
+              <a:rPr lang="en-US"/>
               <a:t>Edit Master text styles</a:t>
             </a:r>
           </a:p>
@@ -1567,38 +1554,37 @@
           <a:p>
             <a:pPr lvl="0"/>
             <a:r>
-              <a:rPr lang="en-US" smtClean="0"/>
+              <a:rPr lang="en-US"/>
               <a:t>Edit Master text styles</a:t>
             </a:r>
           </a:p>
           <a:p>
             <a:pPr lvl="1"/>
             <a:r>
-              <a:rPr lang="en-US" smtClean="0"/>
+              <a:rPr lang="en-US"/>
               <a:t>Second level</a:t>
             </a:r>
           </a:p>
           <a:p>
             <a:pPr lvl="2"/>
             <a:r>
-              <a:rPr lang="en-US" smtClean="0"/>
+              <a:rPr lang="en-US"/>
               <a:t>Third level</a:t>
             </a:r>
           </a:p>
           <a:p>
             <a:pPr lvl="3"/>
             <a:r>
-              <a:rPr lang="en-US" smtClean="0"/>
+              <a:rPr lang="en-US"/>
               <a:t>Fourth level</a:t>
             </a:r>
           </a:p>
           <a:p>
             <a:pPr lvl="4"/>
             <a:r>
-              <a:rPr lang="en-US" smtClean="0"/>
+              <a:rPr lang="en-US"/>
               <a:t>Fifth level</a:t>
             </a:r>
-            <a:endParaRPr lang="en-US"/>
           </a:p>
         </p:txBody>
       </p:sp>
@@ -1619,7 +1605,7 @@
           <a:p>
             <a:fld id="{0D756A92-6B81-42FA-9FD3-B13034B3C042}" type="datetimeFigureOut">
               <a:rPr lang="en-US" smtClean="0"/>
-              <a:t>3/3/2020</a:t>
+              <a:t>7/25/2024</a:t>
             </a:fld>
             <a:endParaRPr lang="en-US"/>
           </a:p>
@@ -1713,10 +1699,9 @@
           <a:lstStyle/>
           <a:p>
             <a:r>
-              <a:rPr lang="en-US" smtClean="0"/>
+              <a:rPr lang="en-US"/>
               <a:t>Click to edit Master title style</a:t>
             </a:r>
-            <a:endParaRPr lang="en-US"/>
           </a:p>
         </p:txBody>
       </p:sp>
@@ -1737,7 +1722,7 @@
           <a:p>
             <a:fld id="{0D756A92-6B81-42FA-9FD3-B13034B3C042}" type="datetimeFigureOut">
               <a:rPr lang="en-US" smtClean="0"/>
-              <a:t>3/3/2020</a:t>
+              <a:t>7/25/2024</a:t>
             </a:fld>
             <a:endParaRPr lang="en-US"/>
           </a:p>
@@ -1832,7 +1817,7 @@
           <a:p>
             <a:fld id="{0D756A92-6B81-42FA-9FD3-B13034B3C042}" type="datetimeFigureOut">
               <a:rPr lang="en-US" smtClean="0"/>
-              <a:t>3/3/2020</a:t>
+              <a:t>7/25/2024</a:t>
             </a:fld>
             <a:endParaRPr lang="en-US"/>
           </a:p>
@@ -1935,10 +1920,9 @@
           </a:lstStyle>
           <a:p>
             <a:r>
-              <a:rPr lang="en-US" smtClean="0"/>
+              <a:rPr lang="en-US"/>
               <a:t>Click to edit Master title style</a:t>
             </a:r>
-            <a:endParaRPr lang="en-US"/>
           </a:p>
         </p:txBody>
       </p:sp>
@@ -1992,38 +1976,37 @@
           <a:p>
             <a:pPr lvl="0"/>
             <a:r>
-              <a:rPr lang="en-US" smtClean="0"/>
+              <a:rPr lang="en-US"/>
               <a:t>Edit Master text styles</a:t>
             </a:r>
           </a:p>
           <a:p>
             <a:pPr lvl="1"/>
             <a:r>
-              <a:rPr lang="en-US" smtClean="0"/>
+              <a:rPr lang="en-US"/>
               <a:t>Second level</a:t>
             </a:r>
           </a:p>
           <a:p>
             <a:pPr lvl="2"/>
             <a:r>
-              <a:rPr lang="en-US" smtClean="0"/>
+              <a:rPr lang="en-US"/>
               <a:t>Third level</a:t>
             </a:r>
           </a:p>
           <a:p>
             <a:pPr lvl="3"/>
             <a:r>
-              <a:rPr lang="en-US" smtClean="0"/>
+              <a:rPr lang="en-US"/>
               <a:t>Fourth level</a:t>
             </a:r>
           </a:p>
           <a:p>
             <a:pPr lvl="4"/>
             <a:r>
-              <a:rPr lang="en-US" smtClean="0"/>
+              <a:rPr lang="en-US"/>
               <a:t>Fifth level</a:t>
             </a:r>
-            <a:endParaRPr lang="en-US"/>
           </a:p>
         </p:txBody>
       </p:sp>
@@ -2086,7 +2069,7 @@
           <a:p>
             <a:pPr lvl="0"/>
             <a:r>
-              <a:rPr lang="en-US" smtClean="0"/>
+              <a:rPr lang="en-US"/>
               <a:t>Edit Master text styles</a:t>
             </a:r>
           </a:p>
@@ -2109,7 +2092,7 @@
           <a:p>
             <a:fld id="{0D756A92-6B81-42FA-9FD3-B13034B3C042}" type="datetimeFigureOut">
               <a:rPr lang="en-US" smtClean="0"/>
-              <a:t>3/3/2020</a:t>
+              <a:t>7/25/2024</a:t>
             </a:fld>
             <a:endParaRPr lang="en-US"/>
           </a:p>
@@ -2212,10 +2195,9 @@
           </a:lstStyle>
           <a:p>
             <a:r>
-              <a:rPr lang="en-US" smtClean="0"/>
+              <a:rPr lang="en-US"/>
               <a:t>Click to edit Master title style</a:t>
             </a:r>
-            <a:endParaRPr lang="en-US"/>
           </a:p>
         </p:txBody>
       </p:sp>
@@ -2339,7 +2321,7 @@
           <a:p>
             <a:pPr lvl="0"/>
             <a:r>
-              <a:rPr lang="en-US" smtClean="0"/>
+              <a:rPr lang="en-US"/>
               <a:t>Edit Master text styles</a:t>
             </a:r>
           </a:p>
@@ -2362,7 +2344,7 @@
           <a:p>
             <a:fld id="{0D756A92-6B81-42FA-9FD3-B13034B3C042}" type="datetimeFigureOut">
               <a:rPr lang="en-US" smtClean="0"/>
-              <a:t>3/3/2020</a:t>
+              <a:t>7/25/2024</a:t>
             </a:fld>
             <a:endParaRPr lang="en-US"/>
           </a:p>
@@ -2471,10 +2453,9 @@
           <a:lstStyle/>
           <a:p>
             <a:r>
-              <a:rPr lang="en-US" smtClean="0"/>
+              <a:rPr lang="en-US"/>
               <a:t>Click to edit Master title style</a:t>
             </a:r>
-            <a:endParaRPr lang="en-US"/>
           </a:p>
         </p:txBody>
       </p:sp>
@@ -2505,38 +2486,37 @@
           <a:p>
             <a:pPr lvl="0"/>
             <a:r>
-              <a:rPr lang="en-US" smtClean="0"/>
+              <a:rPr lang="en-US"/>
               <a:t>Edit Master text styles</a:t>
             </a:r>
           </a:p>
           <a:p>
             <a:pPr lvl="1"/>
             <a:r>
-              <a:rPr lang="en-US" smtClean="0"/>
+              <a:rPr lang="en-US"/>
               <a:t>Second level</a:t>
             </a:r>
           </a:p>
           <a:p>
             <a:pPr lvl="2"/>
             <a:r>
-              <a:rPr lang="en-US" smtClean="0"/>
+              <a:rPr lang="en-US"/>
               <a:t>Third level</a:t>
             </a:r>
           </a:p>
           <a:p>
             <a:pPr lvl="3"/>
             <a:r>
-              <a:rPr lang="en-US" smtClean="0"/>
+              <a:rPr lang="en-US"/>
               <a:t>Fourth level</a:t>
             </a:r>
           </a:p>
           <a:p>
             <a:pPr lvl="4"/>
             <a:r>
-              <a:rPr lang="en-US" smtClean="0"/>
+              <a:rPr lang="en-US"/>
               <a:t>Fifth level</a:t>
             </a:r>
-            <a:endParaRPr lang="en-US"/>
           </a:p>
         </p:txBody>
       </p:sp>
@@ -2575,7 +2555,7 @@
           <a:p>
             <a:fld id="{0D756A92-6B81-42FA-9FD3-B13034B3C042}" type="datetimeFigureOut">
               <a:rPr lang="en-US" smtClean="0"/>
-              <a:t>3/3/2020</a:t>
+              <a:t>7/25/2024</a:t>
             </a:fld>
             <a:endParaRPr lang="en-US"/>
           </a:p>
@@ -3239,6 +3219,215 @@
 </p:sld>
 </file>
 
+<file path=ppt/slides/slide2.xml><?xml version="1.0" encoding="utf-8"?>
+<p:sld xmlns:a="http://schemas.openxmlformats.org/drawingml/2006/main" xmlns:r="http://schemas.openxmlformats.org/officeDocument/2006/relationships" xmlns:p="http://schemas.openxmlformats.org/presentationml/2006/main">
+  <p:cSld>
+    <p:bg>
+      <p:bgPr>
+        <a:solidFill>
+          <a:schemeClr val="bg1"/>
+        </a:solidFill>
+        <a:effectLst/>
+      </p:bgPr>
+    </p:bg>
+    <p:spTree>
+      <p:nvGrpSpPr>
+        <p:cNvPr id="1" name=""/>
+        <p:cNvGrpSpPr/>
+        <p:nvPr/>
+      </p:nvGrpSpPr>
+      <p:grpSpPr>
+        <a:xfrm>
+          <a:off x="0" y="0"/>
+          <a:ext cx="0" cy="0"/>
+          <a:chOff x="0" y="0"/>
+          <a:chExt cx="0" cy="0"/>
+        </a:xfrm>
+      </p:grpSpPr>
+      <p:pic>
+        <p:nvPicPr>
+          <p:cNvPr id="10" name="Picture 9" descr="A logo with a brain and text&#10;&#10;Description automatically generated">
+            <a:extLst>
+              <a:ext uri="{FF2B5EF4-FFF2-40B4-BE49-F238E27FC236}">
+                <a16:creationId xmlns:a16="http://schemas.microsoft.com/office/drawing/2014/main" id="{C016FDB0-1A65-59AC-912D-94CB22D9152D}"/>
+              </a:ext>
+            </a:extLst>
+          </p:cNvPr>
+          <p:cNvPicPr>
+            <a:picLocks noChangeAspect="1"/>
+          </p:cNvPicPr>
+          <p:nvPr/>
+        </p:nvPicPr>
+        <p:blipFill rotWithShape="1">
+          <a:blip r:embed="rId2" cstate="print">
+            <a:extLst>
+              <a:ext uri="{28A0092B-C50C-407E-A947-70E740481C1C}">
+                <a14:useLocalDpi xmlns:a14="http://schemas.microsoft.com/office/drawing/2010/main" val="0"/>
+              </a:ext>
+            </a:extLst>
+          </a:blip>
+          <a:srcRect l="-22621" r="5352" b="-4"/>
+          <a:stretch/>
+        </p:blipFill>
+        <p:spPr>
+          <a:xfrm>
+            <a:off x="5809846" y="0"/>
+            <a:ext cx="6382134" cy="3551274"/>
+          </a:xfrm>
+          <a:custGeom>
+            <a:avLst/>
+            <a:gdLst/>
+            <a:ahLst/>
+            <a:cxnLst/>
+            <a:rect l="l" t="t" r="r" b="b"/>
+            <a:pathLst>
+              <a:path w="4397481" h="3351888">
+                <a:moveTo>
+                  <a:pt x="0" y="0"/>
+                </a:moveTo>
+                <a:lnTo>
+                  <a:pt x="4397481" y="0"/>
+                </a:lnTo>
+                <a:lnTo>
+                  <a:pt x="4397481" y="3351888"/>
+                </a:lnTo>
+                <a:lnTo>
+                  <a:pt x="1552363" y="3351888"/>
+                </a:lnTo>
+                <a:close/>
+              </a:path>
+            </a:pathLst>
+          </a:custGeom>
+        </p:spPr>
+      </p:pic>
+      <p:pic>
+        <p:nvPicPr>
+          <p:cNvPr id="12" name="Picture 11" descr="A cartoon of a science experiment&#10;&#10;Description automatically generated with medium confidence">
+            <a:extLst>
+              <a:ext uri="{FF2B5EF4-FFF2-40B4-BE49-F238E27FC236}">
+                <a16:creationId xmlns:a16="http://schemas.microsoft.com/office/drawing/2014/main" id="{72B94261-CFBD-BEA3-096A-447992B7FE67}"/>
+              </a:ext>
+            </a:extLst>
+          </p:cNvPr>
+          <p:cNvPicPr>
+            <a:picLocks noChangeAspect="1"/>
+          </p:cNvPicPr>
+          <p:nvPr/>
+        </p:nvPicPr>
+        <p:blipFill>
+          <a:blip r:embed="rId3">
+            <a:extLst>
+              <a:ext uri="{28A0092B-C50C-407E-A947-70E740481C1C}">
+                <a14:useLocalDpi xmlns:a14="http://schemas.microsoft.com/office/drawing/2010/main" val="0"/>
+              </a:ext>
+            </a:extLst>
+          </a:blip>
+          <a:srcRect t="8540" r="-2" b="15112"/>
+          <a:stretch/>
+        </p:blipFill>
+        <p:spPr>
+          <a:xfrm>
+            <a:off x="20" y="10"/>
+            <a:ext cx="9154673" cy="6863475"/>
+          </a:xfrm>
+          <a:custGeom>
+            <a:avLst/>
+            <a:gdLst/>
+            <a:ahLst/>
+            <a:cxnLst/>
+            <a:rect l="l" t="t" r="r" b="b"/>
+            <a:pathLst>
+              <a:path w="9154693" h="6863485">
+                <a:moveTo>
+                  <a:pt x="0" y="0"/>
+                </a:moveTo>
+                <a:lnTo>
+                  <a:pt x="5976000" y="0"/>
+                </a:lnTo>
+                <a:lnTo>
+                  <a:pt x="9154693" y="6863485"/>
+                </a:lnTo>
+                <a:lnTo>
+                  <a:pt x="0" y="6863485"/>
+                </a:lnTo>
+                <a:lnTo>
+                  <a:pt x="0" y="0"/>
+                </a:lnTo>
+                <a:close/>
+              </a:path>
+            </a:pathLst>
+          </a:custGeom>
+        </p:spPr>
+      </p:pic>
+      <p:pic>
+        <p:nvPicPr>
+          <p:cNvPr id="16" name="Picture 15" descr="A blue and white symbol with letters and numbers&#10;&#10;Description automatically generated">
+            <a:extLst>
+              <a:ext uri="{FF2B5EF4-FFF2-40B4-BE49-F238E27FC236}">
+                <a16:creationId xmlns:a16="http://schemas.microsoft.com/office/drawing/2014/main" id="{736D48D0-0AD6-9B93-51CA-48520D371108}"/>
+              </a:ext>
+            </a:extLst>
+          </p:cNvPr>
+          <p:cNvPicPr>
+            <a:picLocks noChangeAspect="1"/>
+          </p:cNvPicPr>
+          <p:nvPr/>
+        </p:nvPicPr>
+        <p:blipFill>
+          <a:blip r:embed="rId4">
+            <a:extLst>
+              <a:ext uri="{28A0092B-C50C-407E-A947-70E740481C1C}">
+                <a14:useLocalDpi xmlns:a14="http://schemas.microsoft.com/office/drawing/2010/main" val="0"/>
+              </a:ext>
+            </a:extLst>
+          </a:blip>
+          <a:srcRect t="22081" r="3" b="22368"/>
+          <a:stretch/>
+        </p:blipFill>
+        <p:spPr>
+          <a:xfrm>
+            <a:off x="8176932" y="4646428"/>
+            <a:ext cx="3981011" cy="2211562"/>
+          </a:xfrm>
+          <a:custGeom>
+            <a:avLst/>
+            <a:gdLst/>
+            <a:ahLst/>
+            <a:cxnLst/>
+            <a:rect l="l" t="t" r="r" b="b"/>
+            <a:pathLst>
+              <a:path w="6023811" h="3346404">
+                <a:moveTo>
+                  <a:pt x="0" y="0"/>
+                </a:moveTo>
+                <a:lnTo>
+                  <a:pt x="6023811" y="0"/>
+                </a:lnTo>
+                <a:lnTo>
+                  <a:pt x="6023811" y="3346404"/>
+                </a:lnTo>
+                <a:lnTo>
+                  <a:pt x="1549824" y="3346404"/>
+                </a:lnTo>
+                <a:close/>
+              </a:path>
+            </a:pathLst>
+          </a:custGeom>
+        </p:spPr>
+      </p:pic>
+    </p:spTree>
+    <p:extLst>
+      <p:ext uri="{BB962C8B-B14F-4D97-AF65-F5344CB8AC3E}">
+        <p14:creationId xmlns:p14="http://schemas.microsoft.com/office/powerpoint/2010/main" val="4149963785"/>
+      </p:ext>
+    </p:extLst>
+  </p:cSld>
+  <p:clrMapOvr>
+    <a:masterClrMapping/>
+  </p:clrMapOvr>
+</p:sld>
+</file>
+
 <file path=ppt/theme/theme1.xml><?xml version="1.0" encoding="utf-8"?>
 <a:theme xmlns:a="http://schemas.openxmlformats.org/drawingml/2006/main" name="Office Theme">
   <a:themeElements>
